--- a/4조 비타민음료 발표.pptx
+++ b/4조 비타민음료 발표.pptx
@@ -5,7 +5,7 @@
     <p:sldMasterId id="2147483658" r:id="rId1"/>
   </p:sldMasterIdLst>
   <p:notesMasterIdLst>
-    <p:notesMasterId r:id="rId16"/>
+    <p:notesMasterId r:id="rId17"/>
   </p:notesMasterIdLst>
   <p:sldIdLst>
     <p:sldId id="256" r:id="rId2"/>
@@ -21,39 +21,40 @@
     <p:sldId id="266" r:id="rId12"/>
     <p:sldId id="289" r:id="rId13"/>
     <p:sldId id="290" r:id="rId14"/>
-    <p:sldId id="262" r:id="rId15"/>
+    <p:sldId id="291" r:id="rId15"/>
+    <p:sldId id="262" r:id="rId16"/>
   </p:sldIdLst>
   <p:sldSz cx="9144000" cy="5143500" type="screen16x9"/>
   <p:notesSz cx="6858000" cy="9144000"/>
   <p:embeddedFontLst>
     <p:embeddedFont>
       <p:font typeface="나눔스퀘어라운드 Bold" pitchFamily="50" charset="-127"/>
-      <p:bold r:id="rId17"/>
+      <p:bold r:id="rId18"/>
     </p:embeddedFont>
     <p:embeddedFont>
       <p:font typeface="Poppins" charset="0"/>
-      <p:regular r:id="rId18"/>
-      <p:bold r:id="rId19"/>
-      <p:italic r:id="rId20"/>
-      <p:boldItalic r:id="rId21"/>
+      <p:regular r:id="rId19"/>
+      <p:bold r:id="rId20"/>
+      <p:italic r:id="rId21"/>
+      <p:boldItalic r:id="rId22"/>
     </p:embeddedFont>
     <p:embeddedFont>
-      <p:font typeface="나눔스퀘어라운드 Regular" pitchFamily="50" charset="-127"/>
-      <p:regular r:id="rId22"/>
-    </p:embeddedFont>
-    <p:embeddedFont>
-      <p:font typeface="Montserrat" charset="0"/>
+      <p:font typeface="Montserrat Light" charset="0"/>
       <p:regular r:id="rId23"/>
       <p:bold r:id="rId24"/>
       <p:italic r:id="rId25"/>
       <p:boldItalic r:id="rId26"/>
     </p:embeddedFont>
     <p:embeddedFont>
-      <p:font typeface="Montserrat Light" charset="0"/>
+      <p:font typeface="나눔스퀘어라운드 Regular" pitchFamily="50" charset="-127"/>
       <p:regular r:id="rId27"/>
-      <p:bold r:id="rId28"/>
-      <p:italic r:id="rId29"/>
-      <p:boldItalic r:id="rId30"/>
+    </p:embeddedFont>
+    <p:embeddedFont>
+      <p:font typeface="Montserrat" charset="0"/>
+      <p:regular r:id="rId28"/>
+      <p:bold r:id="rId29"/>
+      <p:italic r:id="rId30"/>
+      <p:boldItalic r:id="rId31"/>
     </p:embeddedFont>
   </p:embeddedFontLst>
   <p:defaultTextStyle>
@@ -1279,7 +1280,27 @@
               <a:latin typeface="나눔스퀘어라운드 Bold" pitchFamily="50" charset="-127"/>
               <a:ea typeface="나눔스퀘어라운드 Bold" pitchFamily="50" charset="-127"/>
             </a:rPr>
-            <a:t>데이터분석</a:t>
+            <a:t>영향 변수</a:t>
+          </a:r>
+          <a:r>
+            <a:rPr lang="en-US" altLang="ko-KR" dirty="0" smtClean="0">
+              <a:latin typeface="나눔스퀘어라운드 Bold" pitchFamily="50" charset="-127"/>
+              <a:ea typeface="나눔스퀘어라운드 Bold" pitchFamily="50" charset="-127"/>
+            </a:rPr>
+            <a:t/>
+          </a:r>
+          <a:br>
+            <a:rPr lang="en-US" altLang="ko-KR" dirty="0" smtClean="0">
+              <a:latin typeface="나눔스퀘어라운드 Bold" pitchFamily="50" charset="-127"/>
+              <a:ea typeface="나눔스퀘어라운드 Bold" pitchFamily="50" charset="-127"/>
+            </a:rPr>
+          </a:br>
+          <a:r>
+            <a:rPr lang="ko-KR" altLang="en-US" dirty="0" smtClean="0">
+              <a:latin typeface="나눔스퀘어라운드 Bold" pitchFamily="50" charset="-127"/>
+              <a:ea typeface="나눔스퀘어라운드 Bold" pitchFamily="50" charset="-127"/>
+            </a:rPr>
+            <a:t> 선정</a:t>
           </a:r>
           <a:endParaRPr lang="ko-KR" altLang="en-US" dirty="0">
             <a:latin typeface="나눔스퀘어라운드 Bold" pitchFamily="50" charset="-127"/>
@@ -2834,7 +2855,27 @@
               <a:latin typeface="나눔스퀘어라운드 Bold" pitchFamily="50" charset="-127"/>
               <a:ea typeface="나눔스퀘어라운드 Bold" pitchFamily="50" charset="-127"/>
             </a:rPr>
-            <a:t>데이터분석</a:t>
+            <a:t>영향 변수</a:t>
+          </a:r>
+          <a:r>
+            <a:rPr lang="en-US" altLang="ko-KR" sz="1600" kern="1200" dirty="0" smtClean="0">
+              <a:latin typeface="나눔스퀘어라운드 Bold" pitchFamily="50" charset="-127"/>
+              <a:ea typeface="나눔스퀘어라운드 Bold" pitchFamily="50" charset="-127"/>
+            </a:rPr>
+            <a:t/>
+          </a:r>
+          <a:br>
+            <a:rPr lang="en-US" altLang="ko-KR" sz="1600" kern="1200" dirty="0" smtClean="0">
+              <a:latin typeface="나눔스퀘어라운드 Bold" pitchFamily="50" charset="-127"/>
+              <a:ea typeface="나눔스퀘어라운드 Bold" pitchFamily="50" charset="-127"/>
+            </a:rPr>
+          </a:br>
+          <a:r>
+            <a:rPr lang="ko-KR" altLang="en-US" sz="1600" kern="1200" dirty="0" smtClean="0">
+              <a:latin typeface="나눔스퀘어라운드 Bold" pitchFamily="50" charset="-127"/>
+              <a:ea typeface="나눔스퀘어라운드 Bold" pitchFamily="50" charset="-127"/>
+            </a:rPr>
+            <a:t> 선정</a:t>
           </a:r>
           <a:endParaRPr lang="ko-KR" altLang="en-US" sz="1600" kern="1200" dirty="0">
             <a:latin typeface="나눔스퀘어라운드 Bold" pitchFamily="50" charset="-127"/>
@@ -5676,6 +5717,110 @@
   <p:cSld>
     <p:spTree>
       <p:nvGrpSpPr>
+        <p:cNvPr id="1" name="Shape 543"/>
+        <p:cNvGrpSpPr/>
+        <p:nvPr/>
+      </p:nvGrpSpPr>
+      <p:grpSpPr>
+        <a:xfrm>
+          <a:off x="0" y="0"/>
+          <a:ext cx="0" cy="0"/>
+          <a:chOff x="0" y="0"/>
+          <a:chExt cx="0" cy="0"/>
+        </a:xfrm>
+      </p:grpSpPr>
+      <p:sp>
+        <p:nvSpPr>
+          <p:cNvPr id="544" name="Google Shape;544;g35ed75ccf_0113:notes"/>
+          <p:cNvSpPr>
+            <a:spLocks noGrp="1" noRot="1" noChangeAspect="1"/>
+          </p:cNvSpPr>
+          <p:nvPr>
+            <p:ph type="sldImg" idx="2"/>
+          </p:nvPr>
+        </p:nvSpPr>
+        <p:spPr>
+          <a:xfrm>
+            <a:off x="381000" y="685800"/>
+            <a:ext cx="6096000" cy="3429000"/>
+          </a:xfrm>
+          <a:custGeom>
+            <a:avLst/>
+            <a:gdLst/>
+            <a:ahLst/>
+            <a:cxnLst/>
+            <a:rect l="l" t="t" r="r" b="b"/>
+            <a:pathLst>
+              <a:path w="120000" h="120000" extrusionOk="0">
+                <a:moveTo>
+                  <a:pt x="0" y="0"/>
+                </a:moveTo>
+                <a:lnTo>
+                  <a:pt x="120000" y="0"/>
+                </a:lnTo>
+                <a:lnTo>
+                  <a:pt x="120000" y="120000"/>
+                </a:lnTo>
+                <a:lnTo>
+                  <a:pt x="0" y="120000"/>
+                </a:lnTo>
+                <a:close/>
+              </a:path>
+            </a:pathLst>
+          </a:custGeom>
+        </p:spPr>
+      </p:sp>
+      <p:sp>
+        <p:nvSpPr>
+          <p:cNvPr id="545" name="Google Shape;545;g35ed75ccf_0113:notes"/>
+          <p:cNvSpPr txBox="1">
+            <a:spLocks noGrp="1"/>
+          </p:cNvSpPr>
+          <p:nvPr>
+            <p:ph type="body" idx="1"/>
+          </p:nvPr>
+        </p:nvSpPr>
+        <p:spPr>
+          <a:xfrm>
+            <a:off x="685800" y="4343400"/>
+            <a:ext cx="5486400" cy="4114800"/>
+          </a:xfrm>
+          <a:prstGeom prst="rect">
+            <a:avLst/>
+          </a:prstGeom>
+        </p:spPr>
+        <p:txBody>
+          <a:bodyPr spcFirstLastPara="1" wrap="square" lIns="91425" tIns="91425" rIns="91425" bIns="91425" anchor="t" anchorCtr="0">
+            <a:noAutofit/>
+          </a:bodyPr>
+          <a:lstStyle/>
+          <a:p>
+            <a:pPr marL="0" lvl="0" indent="0" algn="l" rtl="0">
+              <a:spcBef>
+                <a:spcPts val="0"/>
+              </a:spcBef>
+              <a:spcAft>
+                <a:spcPts val="0"/>
+              </a:spcAft>
+              <a:buNone/>
+            </a:pPr>
+            <a:endParaRPr/>
+          </a:p>
+        </p:txBody>
+      </p:sp>
+    </p:spTree>
+  </p:cSld>
+  <p:clrMapOvr>
+    <a:masterClrMapping/>
+  </p:clrMapOvr>
+</p:notes>
+</file>
+
+<file path=ppt/notesSlides/notesSlide13.xml><?xml version="1.0" encoding="utf-8"?>
+<p:notes xmlns:a="http://schemas.openxmlformats.org/drawingml/2006/main" xmlns:r="http://schemas.openxmlformats.org/officeDocument/2006/relationships" xmlns:p="http://schemas.openxmlformats.org/presentationml/2006/main" showMasterSp="0" showMasterPhAnim="0">
+  <p:cSld>
+    <p:spTree>
+      <p:nvGrpSpPr>
         <p:cNvPr id="1" name="Shape 348"/>
         <p:cNvGrpSpPr/>
         <p:nvPr/>
@@ -12732,8 +12877,8 @@
         </p:nvSpPr>
         <p:spPr>
           <a:xfrm>
-            <a:off x="1619672" y="1707654"/>
-            <a:ext cx="5985306" cy="1159800"/>
+            <a:off x="1187624" y="1347614"/>
+            <a:ext cx="6552728" cy="2376264"/>
           </a:xfrm>
           <a:prstGeom prst="rect">
             <a:avLst/>
@@ -12762,7 +12907,76 @@
                 <a:latin typeface="나눔스퀘어라운드 Bold" pitchFamily="50" charset="-127"/>
                 <a:ea typeface="나눔스퀘어라운드 Bold" pitchFamily="50" charset="-127"/>
               </a:rPr>
-              <a:t>비타민음료의 판매량 </a:t>
+              <a:t>비타민음료의 </a:t>
+            </a:r>
+            <a:r>
+              <a:rPr lang="ko-KR" altLang="en-US" sz="4000" dirty="0" smtClean="0">
+                <a:solidFill>
+                  <a:schemeClr val="tx1"/>
+                </a:solidFill>
+                <a:latin typeface="나눔스퀘어라운드 Bold" pitchFamily="50" charset="-127"/>
+                <a:ea typeface="나눔스퀘어라운드 Bold" pitchFamily="50" charset="-127"/>
+              </a:rPr>
+              <a:t>판매량에</a:t>
+            </a:r>
+            <a:r>
+              <a:rPr lang="en-US" altLang="ko-KR" sz="4000" dirty="0">
+                <a:solidFill>
+                  <a:schemeClr val="tx1"/>
+                </a:solidFill>
+                <a:latin typeface="나눔스퀘어라운드 Bold" pitchFamily="50" charset="-127"/>
+                <a:ea typeface="나눔스퀘어라운드 Bold" pitchFamily="50" charset="-127"/>
+              </a:rPr>
+              <a:t/>
+            </a:r>
+            <a:br>
+              <a:rPr lang="en-US" altLang="ko-KR" sz="4000" dirty="0">
+                <a:solidFill>
+                  <a:schemeClr val="tx1"/>
+                </a:solidFill>
+                <a:latin typeface="나눔스퀘어라운드 Bold" pitchFamily="50" charset="-127"/>
+                <a:ea typeface="나눔스퀘어라운드 Bold" pitchFamily="50" charset="-127"/>
+              </a:rPr>
+            </a:br>
+            <a:r>
+              <a:rPr lang="ko-KR" altLang="en-US" sz="4000" dirty="0" smtClean="0">
+                <a:solidFill>
+                  <a:schemeClr val="tx1"/>
+                </a:solidFill>
+                <a:latin typeface="나눔스퀘어라운드 Bold" pitchFamily="50" charset="-127"/>
+                <a:ea typeface="나눔스퀘어라운드 Bold" pitchFamily="50" charset="-127"/>
+              </a:rPr>
+              <a:t>영향을 </a:t>
+            </a:r>
+            <a:r>
+              <a:rPr lang="ko-KR" altLang="en-US" sz="4000" dirty="0" smtClean="0">
+                <a:solidFill>
+                  <a:schemeClr val="tx1"/>
+                </a:solidFill>
+                <a:latin typeface="나눔스퀘어라운드 Bold" pitchFamily="50" charset="-127"/>
+                <a:ea typeface="나눔스퀘어라운드 Bold" pitchFamily="50" charset="-127"/>
+              </a:rPr>
+              <a:t>주는 요소는</a:t>
+            </a:r>
+            <a:r>
+              <a:rPr lang="en-US" altLang="ko-KR" sz="4000" dirty="0" smtClean="0">
+                <a:solidFill>
+                  <a:schemeClr val="tx1"/>
+                </a:solidFill>
+                <a:latin typeface="나눔스퀘어라운드 Bold" pitchFamily="50" charset="-127"/>
+                <a:ea typeface="나눔스퀘어라운드 Bold" pitchFamily="50" charset="-127"/>
+              </a:rPr>
+              <a:t>???</a:t>
+            </a:r>
+            <a:r>
+              <a:rPr lang="ko-KR" altLang="en-US" sz="4000" dirty="0" smtClean="0">
+                <a:solidFill>
+                  <a:schemeClr val="tx1"/>
+                </a:solidFill>
+                <a:latin typeface="나눔스퀘어라운드 Bold" pitchFamily="50" charset="-127"/>
+                <a:ea typeface="나눔스퀘어라운드 Bold" pitchFamily="50" charset="-127"/>
+              </a:rPr>
+              <a:t> </a:t>
             </a:r>
             <a:r>
               <a:rPr lang="en-US" altLang="ko-KR" sz="4000" dirty="0" smtClean="0">
@@ -12783,16 +12997,6 @@
                 <a:ea typeface="나눔스퀘어라운드 Bold" pitchFamily="50" charset="-127"/>
               </a:rPr>
             </a:br>
-            <a:r>
-              <a:rPr lang="ko-KR" altLang="en-US" sz="4000" dirty="0" smtClean="0">
-                <a:solidFill>
-                  <a:schemeClr val="tx1"/>
-                </a:solidFill>
-                <a:latin typeface="나눔스퀘어라운드 Bold" pitchFamily="50" charset="-127"/>
-                <a:ea typeface="나눔스퀘어라운드 Bold" pitchFamily="50" charset="-127"/>
-              </a:rPr>
-              <a:t>상관 관계 분석</a:t>
-            </a:r>
             <a:endParaRPr sz="4000" dirty="0">
               <a:solidFill>
                 <a:schemeClr val="tx1"/>
@@ -12812,7 +13016,7 @@
         <p:spPr>
           <a:xfrm>
             <a:off x="5004048" y="3217129"/>
-            <a:ext cx="2448272" cy="307777"/>
+            <a:ext cx="2448272" cy="338554"/>
           </a:xfrm>
           <a:prstGeom prst="rect">
             <a:avLst/>
@@ -12826,48 +13030,48 @@
           <a:lstStyle/>
           <a:p>
             <a:r>
-              <a:rPr lang="en-US" altLang="ko-KR" dirty="0" smtClean="0">
+              <a:rPr lang="en-US" altLang="ko-KR" sz="1600" dirty="0" smtClean="0">
                 <a:latin typeface="나눔스퀘어라운드 Regular" pitchFamily="50" charset="-127"/>
                 <a:ea typeface="나눔스퀘어라운드 Regular" pitchFamily="50" charset="-127"/>
               </a:rPr>
               <a:t>4</a:t>
             </a:r>
             <a:r>
-              <a:rPr lang="ko-KR" altLang="en-US" dirty="0" smtClean="0">
+              <a:rPr lang="ko-KR" altLang="en-US" sz="1600" dirty="0" smtClean="0">
                 <a:latin typeface="나눔스퀘어라운드 Regular" pitchFamily="50" charset="-127"/>
                 <a:ea typeface="나눔스퀘어라운드 Regular" pitchFamily="50" charset="-127"/>
               </a:rPr>
               <a:t>조 오진영</a:t>
             </a:r>
             <a:r>
-              <a:rPr lang="en-US" altLang="ko-KR" dirty="0" smtClean="0">
+              <a:rPr lang="en-US" altLang="ko-KR" sz="1600" dirty="0" smtClean="0">
                 <a:latin typeface="나눔스퀘어라운드 Regular" pitchFamily="50" charset="-127"/>
                 <a:ea typeface="나눔스퀘어라운드 Regular" pitchFamily="50" charset="-127"/>
               </a:rPr>
               <a:t>, </a:t>
             </a:r>
             <a:r>
-              <a:rPr lang="ko-KR" altLang="en-US" dirty="0" smtClean="0">
+              <a:rPr lang="ko-KR" altLang="en-US" sz="1600" dirty="0" smtClean="0">
                 <a:latin typeface="나눔스퀘어라운드 Regular" pitchFamily="50" charset="-127"/>
                 <a:ea typeface="나눔스퀘어라운드 Regular" pitchFamily="50" charset="-127"/>
               </a:rPr>
               <a:t>이희철</a:t>
             </a:r>
             <a:r>
-              <a:rPr lang="en-US" altLang="ko-KR" dirty="0" smtClean="0">
+              <a:rPr lang="en-US" altLang="ko-KR" sz="1600" dirty="0" smtClean="0">
                 <a:latin typeface="나눔스퀘어라운드 Regular" pitchFamily="50" charset="-127"/>
                 <a:ea typeface="나눔스퀘어라운드 Regular" pitchFamily="50" charset="-127"/>
               </a:rPr>
               <a:t>, </a:t>
             </a:r>
             <a:r>
-              <a:rPr lang="ko-KR" altLang="en-US" dirty="0" smtClean="0">
+              <a:rPr lang="ko-KR" altLang="en-US" sz="1600" dirty="0" smtClean="0">
                 <a:latin typeface="나눔스퀘어라운드 Regular" pitchFamily="50" charset="-127"/>
                 <a:ea typeface="나눔스퀘어라운드 Regular" pitchFamily="50" charset="-127"/>
               </a:rPr>
               <a:t>최준혁</a:t>
             </a:r>
-            <a:endParaRPr lang="ko-KR" altLang="en-US" dirty="0">
+            <a:endParaRPr lang="ko-KR" altLang="en-US" sz="1600" dirty="0">
               <a:latin typeface="나눔스퀘어라운드 Regular" pitchFamily="50" charset="-127"/>
               <a:ea typeface="나눔스퀘어라운드 Regular" pitchFamily="50" charset="-127"/>
             </a:endParaRPr>
@@ -13324,17 +13528,31 @@
           <a:prstGeom prst="rect">
             <a:avLst/>
           </a:prstGeom>
-          <a:solidFill>
-            <a:schemeClr val="accent3">
-              <a:lumMod val="75000"/>
-            </a:schemeClr>
-          </a:solidFill>
+          <a:gradFill flip="none" rotWithShape="1">
+            <a:gsLst>
+              <a:gs pos="0">
+                <a:schemeClr val="accent3">
+                  <a:lumMod val="75000"/>
+                </a:schemeClr>
+              </a:gs>
+              <a:gs pos="85000">
+                <a:schemeClr val="accent1">
+                  <a:tint val="44500"/>
+                  <a:satMod val="160000"/>
+                </a:schemeClr>
+              </a:gs>
+              <a:gs pos="100000">
+                <a:schemeClr val="accent1">
+                  <a:tint val="23500"/>
+                  <a:satMod val="160000"/>
+                </a:schemeClr>
+              </a:gs>
+            </a:gsLst>
+            <a:lin ang="0" scaled="1"/>
+            <a:tileRect/>
+          </a:gradFill>
           <a:ln>
-            <a:solidFill>
-              <a:schemeClr val="accent3">
-                <a:lumMod val="75000"/>
-              </a:schemeClr>
-            </a:solidFill>
+            <a:noFill/>
           </a:ln>
         </p:spPr>
         <p:style>
@@ -13369,7 +13587,7 @@
               <a:t>7</a:t>
             </a:r>
             <a:r>
-              <a:rPr lang="ko-KR" altLang="en-US" dirty="0" smtClean="0">
+              <a:rPr lang="ko-KR" altLang="en-US" dirty="0">
                 <a:solidFill>
                   <a:schemeClr val="tx1"/>
                 </a:solidFill>
@@ -14298,17 +14516,31 @@
           <a:prstGeom prst="rect">
             <a:avLst/>
           </a:prstGeom>
-          <a:solidFill>
-            <a:schemeClr val="accent3">
-              <a:lumMod val="75000"/>
-            </a:schemeClr>
-          </a:solidFill>
+          <a:gradFill flip="none" rotWithShape="1">
+            <a:gsLst>
+              <a:gs pos="0">
+                <a:schemeClr val="accent3">
+                  <a:lumMod val="75000"/>
+                </a:schemeClr>
+              </a:gs>
+              <a:gs pos="85000">
+                <a:schemeClr val="accent1">
+                  <a:tint val="44500"/>
+                  <a:satMod val="160000"/>
+                </a:schemeClr>
+              </a:gs>
+              <a:gs pos="100000">
+                <a:schemeClr val="accent1">
+                  <a:tint val="23500"/>
+                  <a:satMod val="160000"/>
+                </a:schemeClr>
+              </a:gs>
+            </a:gsLst>
+            <a:lin ang="0" scaled="1"/>
+            <a:tileRect/>
+          </a:gradFill>
           <a:ln>
-            <a:solidFill>
-              <a:schemeClr val="accent3">
-                <a:lumMod val="75000"/>
-              </a:schemeClr>
-            </a:solidFill>
+            <a:noFill/>
           </a:ln>
         </p:spPr>
         <p:style>
@@ -14333,7 +14565,7 @@
           <a:p>
             <a:pPr algn="ctr"/>
             <a:r>
-              <a:rPr lang="ko-KR" altLang="en-US" dirty="0" smtClean="0">
+              <a:rPr lang="ko-KR" altLang="en-US" dirty="0">
                 <a:solidFill>
                   <a:schemeClr val="tx1"/>
                 </a:solidFill>
@@ -15025,17 +15257,31 @@
           <a:prstGeom prst="rect">
             <a:avLst/>
           </a:prstGeom>
-          <a:solidFill>
-            <a:schemeClr val="accent3">
-              <a:lumMod val="75000"/>
-            </a:schemeClr>
-          </a:solidFill>
+          <a:gradFill flip="none" rotWithShape="1">
+            <a:gsLst>
+              <a:gs pos="0">
+                <a:schemeClr val="accent3">
+                  <a:lumMod val="75000"/>
+                </a:schemeClr>
+              </a:gs>
+              <a:gs pos="85000">
+                <a:schemeClr val="accent1">
+                  <a:tint val="44500"/>
+                  <a:satMod val="160000"/>
+                </a:schemeClr>
+              </a:gs>
+              <a:gs pos="100000">
+                <a:schemeClr val="accent1">
+                  <a:tint val="23500"/>
+                  <a:satMod val="160000"/>
+                </a:schemeClr>
+              </a:gs>
+            </a:gsLst>
+            <a:lin ang="0" scaled="1"/>
+            <a:tileRect/>
+          </a:gradFill>
           <a:ln>
-            <a:solidFill>
-              <a:schemeClr val="accent3">
-                <a:lumMod val="75000"/>
-              </a:schemeClr>
-            </a:solidFill>
+            <a:noFill/>
           </a:ln>
         </p:spPr>
         <p:style>
@@ -15060,7 +15306,7 @@
           <a:p>
             <a:pPr algn="ctr"/>
             <a:r>
-              <a:rPr lang="ko-KR" altLang="en-US" dirty="0" smtClean="0">
+              <a:rPr lang="ko-KR" altLang="en-US" dirty="0">
                 <a:solidFill>
                   <a:schemeClr val="tx1"/>
                 </a:solidFill>
@@ -15093,6 +15339,635 @@
 </file>
 
 <file path=ppt/slides/slide14.xml><?xml version="1.0" encoding="utf-8"?>
+<p:sld xmlns:a="http://schemas.openxmlformats.org/drawingml/2006/main" xmlns:r="http://schemas.openxmlformats.org/officeDocument/2006/relationships" xmlns:p="http://schemas.openxmlformats.org/presentationml/2006/main">
+  <p:cSld>
+    <p:spTree>
+      <p:nvGrpSpPr>
+        <p:cNvPr id="1" name="Shape 546"/>
+        <p:cNvGrpSpPr/>
+        <p:nvPr/>
+      </p:nvGrpSpPr>
+      <p:grpSpPr>
+        <a:xfrm>
+          <a:off x="0" y="0"/>
+          <a:ext cx="0" cy="0"/>
+          <a:chOff x="0" y="0"/>
+          <a:chExt cx="0" cy="0"/>
+        </a:xfrm>
+      </p:grpSpPr>
+      <p:sp>
+        <p:nvSpPr>
+          <p:cNvPr id="547" name="Google Shape;547;p33"/>
+          <p:cNvSpPr/>
+          <p:nvPr/>
+        </p:nvSpPr>
+        <p:spPr>
+          <a:xfrm>
+            <a:off x="2145114" y="621152"/>
+            <a:ext cx="4930902" cy="3838764"/>
+          </a:xfrm>
+          <a:custGeom>
+            <a:avLst/>
+            <a:gdLst/>
+            <a:ahLst/>
+            <a:cxnLst/>
+            <a:rect l="l" t="t" r="r" b="b"/>
+            <a:pathLst>
+              <a:path w="143434" h="111665" extrusionOk="0">
+                <a:moveTo>
+                  <a:pt x="71751" y="2308"/>
+                </a:moveTo>
+                <a:lnTo>
+                  <a:pt x="71887" y="2376"/>
+                </a:lnTo>
+                <a:lnTo>
+                  <a:pt x="72091" y="2444"/>
+                </a:lnTo>
+                <a:lnTo>
+                  <a:pt x="72159" y="2647"/>
+                </a:lnTo>
+                <a:lnTo>
+                  <a:pt x="72226" y="2783"/>
+                </a:lnTo>
+                <a:lnTo>
+                  <a:pt x="72159" y="2987"/>
+                </a:lnTo>
+                <a:lnTo>
+                  <a:pt x="72091" y="3190"/>
+                </a:lnTo>
+                <a:lnTo>
+                  <a:pt x="71887" y="3258"/>
+                </a:lnTo>
+                <a:lnTo>
+                  <a:pt x="71751" y="3326"/>
+                </a:lnTo>
+                <a:lnTo>
+                  <a:pt x="71548" y="3258"/>
+                </a:lnTo>
+                <a:lnTo>
+                  <a:pt x="71344" y="3190"/>
+                </a:lnTo>
+                <a:lnTo>
+                  <a:pt x="71276" y="2987"/>
+                </a:lnTo>
+                <a:lnTo>
+                  <a:pt x="71208" y="2783"/>
+                </a:lnTo>
+                <a:lnTo>
+                  <a:pt x="71276" y="2647"/>
+                </a:lnTo>
+                <a:lnTo>
+                  <a:pt x="71344" y="2444"/>
+                </a:lnTo>
+                <a:lnTo>
+                  <a:pt x="71548" y="2376"/>
+                </a:lnTo>
+                <a:lnTo>
+                  <a:pt x="71751" y="2308"/>
+                </a:lnTo>
+                <a:close/>
+                <a:moveTo>
+                  <a:pt x="137528" y="5906"/>
+                </a:moveTo>
+                <a:lnTo>
+                  <a:pt x="137596" y="5974"/>
+                </a:lnTo>
+                <a:lnTo>
+                  <a:pt x="137596" y="89604"/>
+                </a:lnTo>
+                <a:lnTo>
+                  <a:pt x="5906" y="89604"/>
+                </a:lnTo>
+                <a:lnTo>
+                  <a:pt x="5906" y="5974"/>
+                </a:lnTo>
+                <a:lnTo>
+                  <a:pt x="5906" y="5906"/>
+                </a:lnTo>
+                <a:close/>
+                <a:moveTo>
+                  <a:pt x="3530" y="0"/>
+                </a:moveTo>
+                <a:lnTo>
+                  <a:pt x="3191" y="68"/>
+                </a:lnTo>
+                <a:lnTo>
+                  <a:pt x="2444" y="339"/>
+                </a:lnTo>
+                <a:lnTo>
+                  <a:pt x="1766" y="679"/>
+                </a:lnTo>
+                <a:lnTo>
+                  <a:pt x="1155" y="1154"/>
+                </a:lnTo>
+                <a:lnTo>
+                  <a:pt x="679" y="1765"/>
+                </a:lnTo>
+                <a:lnTo>
+                  <a:pt x="272" y="2444"/>
+                </a:lnTo>
+                <a:lnTo>
+                  <a:pt x="69" y="3190"/>
+                </a:lnTo>
+                <a:lnTo>
+                  <a:pt x="1" y="3598"/>
+                </a:lnTo>
+                <a:lnTo>
+                  <a:pt x="1" y="4005"/>
+                </a:lnTo>
+                <a:lnTo>
+                  <a:pt x="1" y="91572"/>
+                </a:lnTo>
+                <a:lnTo>
+                  <a:pt x="1" y="91979"/>
+                </a:lnTo>
+                <a:lnTo>
+                  <a:pt x="69" y="92319"/>
+                </a:lnTo>
+                <a:lnTo>
+                  <a:pt x="272" y="93065"/>
+                </a:lnTo>
+                <a:lnTo>
+                  <a:pt x="679" y="93744"/>
+                </a:lnTo>
+                <a:lnTo>
+                  <a:pt x="1155" y="94355"/>
+                </a:lnTo>
+                <a:lnTo>
+                  <a:pt x="1766" y="94830"/>
+                </a:lnTo>
+                <a:lnTo>
+                  <a:pt x="2444" y="95238"/>
+                </a:lnTo>
+                <a:lnTo>
+                  <a:pt x="3191" y="95441"/>
+                </a:lnTo>
+                <a:lnTo>
+                  <a:pt x="3530" y="95509"/>
+                </a:lnTo>
+                <a:lnTo>
+                  <a:pt x="139904" y="95509"/>
+                </a:lnTo>
+                <a:lnTo>
+                  <a:pt x="140311" y="95441"/>
+                </a:lnTo>
+                <a:lnTo>
+                  <a:pt x="141058" y="95238"/>
+                </a:lnTo>
+                <a:lnTo>
+                  <a:pt x="141737" y="94830"/>
+                </a:lnTo>
+                <a:lnTo>
+                  <a:pt x="142280" y="94355"/>
+                </a:lnTo>
+                <a:lnTo>
+                  <a:pt x="142755" y="93744"/>
+                </a:lnTo>
+                <a:lnTo>
+                  <a:pt x="143162" y="93065"/>
+                </a:lnTo>
+                <a:lnTo>
+                  <a:pt x="143366" y="92319"/>
+                </a:lnTo>
+                <a:lnTo>
+                  <a:pt x="143434" y="91979"/>
+                </a:lnTo>
+                <a:lnTo>
+                  <a:pt x="143434" y="91572"/>
+                </a:lnTo>
+                <a:lnTo>
+                  <a:pt x="143434" y="4005"/>
+                </a:lnTo>
+                <a:lnTo>
+                  <a:pt x="143434" y="3598"/>
+                </a:lnTo>
+                <a:lnTo>
+                  <a:pt x="143366" y="3190"/>
+                </a:lnTo>
+                <a:lnTo>
+                  <a:pt x="143162" y="2444"/>
+                </a:lnTo>
+                <a:lnTo>
+                  <a:pt x="142755" y="1765"/>
+                </a:lnTo>
+                <a:lnTo>
+                  <a:pt x="142280" y="1154"/>
+                </a:lnTo>
+                <a:lnTo>
+                  <a:pt x="141737" y="679"/>
+                </a:lnTo>
+                <a:lnTo>
+                  <a:pt x="141058" y="339"/>
+                </a:lnTo>
+                <a:lnTo>
+                  <a:pt x="140311" y="68"/>
+                </a:lnTo>
+                <a:lnTo>
+                  <a:pt x="139904" y="0"/>
+                </a:lnTo>
+                <a:close/>
+                <a:moveTo>
+                  <a:pt x="55324" y="95713"/>
+                </a:moveTo>
+                <a:lnTo>
+                  <a:pt x="55052" y="98971"/>
+                </a:lnTo>
+                <a:lnTo>
+                  <a:pt x="54713" y="102297"/>
+                </a:lnTo>
+                <a:lnTo>
+                  <a:pt x="54374" y="105284"/>
+                </a:lnTo>
+                <a:lnTo>
+                  <a:pt x="53966" y="107388"/>
+                </a:lnTo>
+                <a:lnTo>
+                  <a:pt x="53763" y="108203"/>
+                </a:lnTo>
+                <a:lnTo>
+                  <a:pt x="53627" y="108746"/>
+                </a:lnTo>
+                <a:lnTo>
+                  <a:pt x="53423" y="109153"/>
+                </a:lnTo>
+                <a:lnTo>
+                  <a:pt x="53220" y="109357"/>
+                </a:lnTo>
+                <a:lnTo>
+                  <a:pt x="52677" y="109493"/>
+                </a:lnTo>
+                <a:lnTo>
+                  <a:pt x="51794" y="109696"/>
+                </a:lnTo>
+                <a:lnTo>
+                  <a:pt x="49690" y="110036"/>
+                </a:lnTo>
+                <a:lnTo>
+                  <a:pt x="48061" y="110307"/>
+                </a:lnTo>
+                <a:lnTo>
+                  <a:pt x="47450" y="110443"/>
+                </a:lnTo>
+                <a:lnTo>
+                  <a:pt x="47110" y="110511"/>
+                </a:lnTo>
+                <a:lnTo>
+                  <a:pt x="47042" y="110579"/>
+                </a:lnTo>
+                <a:lnTo>
+                  <a:pt x="47042" y="110783"/>
+                </a:lnTo>
+                <a:lnTo>
+                  <a:pt x="47110" y="110850"/>
+                </a:lnTo>
+                <a:lnTo>
+                  <a:pt x="47585" y="110918"/>
+                </a:lnTo>
+                <a:lnTo>
+                  <a:pt x="48400" y="110986"/>
+                </a:lnTo>
+                <a:lnTo>
+                  <a:pt x="51387" y="111054"/>
+                </a:lnTo>
+                <a:lnTo>
+                  <a:pt x="56071" y="111122"/>
+                </a:lnTo>
+                <a:lnTo>
+                  <a:pt x="87092" y="111122"/>
+                </a:lnTo>
+                <a:lnTo>
+                  <a:pt x="91708" y="111054"/>
+                </a:lnTo>
+                <a:lnTo>
+                  <a:pt x="94695" y="110986"/>
+                </a:lnTo>
+                <a:lnTo>
+                  <a:pt x="95578" y="110918"/>
+                </a:lnTo>
+                <a:lnTo>
+                  <a:pt x="96053" y="110850"/>
+                </a:lnTo>
+                <a:lnTo>
+                  <a:pt x="96121" y="110783"/>
+                </a:lnTo>
+                <a:lnTo>
+                  <a:pt x="96121" y="110579"/>
+                </a:lnTo>
+                <a:lnTo>
+                  <a:pt x="96053" y="110511"/>
+                </a:lnTo>
+                <a:lnTo>
+                  <a:pt x="95713" y="110443"/>
+                </a:lnTo>
+                <a:lnTo>
+                  <a:pt x="95102" y="110307"/>
+                </a:lnTo>
+                <a:lnTo>
+                  <a:pt x="93473" y="110036"/>
+                </a:lnTo>
+                <a:lnTo>
+                  <a:pt x="91369" y="109696"/>
+                </a:lnTo>
+                <a:lnTo>
+                  <a:pt x="90487" y="109493"/>
+                </a:lnTo>
+                <a:lnTo>
+                  <a:pt x="89943" y="109357"/>
+                </a:lnTo>
+                <a:lnTo>
+                  <a:pt x="89740" y="109153"/>
+                </a:lnTo>
+                <a:lnTo>
+                  <a:pt x="89536" y="108746"/>
+                </a:lnTo>
+                <a:lnTo>
+                  <a:pt x="89333" y="108203"/>
+                </a:lnTo>
+                <a:lnTo>
+                  <a:pt x="89197" y="107388"/>
+                </a:lnTo>
+                <a:lnTo>
+                  <a:pt x="88789" y="105284"/>
+                </a:lnTo>
+                <a:lnTo>
+                  <a:pt x="88382" y="102297"/>
+                </a:lnTo>
+                <a:lnTo>
+                  <a:pt x="88043" y="98971"/>
+                </a:lnTo>
+                <a:lnTo>
+                  <a:pt x="87839" y="95713"/>
+                </a:lnTo>
+                <a:close/>
+                <a:moveTo>
+                  <a:pt x="47450" y="111054"/>
+                </a:moveTo>
+                <a:lnTo>
+                  <a:pt x="47450" y="111122"/>
+                </a:lnTo>
+                <a:lnTo>
+                  <a:pt x="47450" y="111393"/>
+                </a:lnTo>
+                <a:lnTo>
+                  <a:pt x="47518" y="111461"/>
+                </a:lnTo>
+                <a:lnTo>
+                  <a:pt x="48807" y="111529"/>
+                </a:lnTo>
+                <a:lnTo>
+                  <a:pt x="52473" y="111597"/>
+                </a:lnTo>
+                <a:lnTo>
+                  <a:pt x="62384" y="111665"/>
+                </a:lnTo>
+                <a:lnTo>
+                  <a:pt x="80779" y="111665"/>
+                </a:lnTo>
+                <a:lnTo>
+                  <a:pt x="90622" y="111597"/>
+                </a:lnTo>
+                <a:lnTo>
+                  <a:pt x="94356" y="111529"/>
+                </a:lnTo>
+                <a:lnTo>
+                  <a:pt x="95646" y="111461"/>
+                </a:lnTo>
+                <a:lnTo>
+                  <a:pt x="95713" y="111393"/>
+                </a:lnTo>
+                <a:lnTo>
+                  <a:pt x="95713" y="111122"/>
+                </a:lnTo>
+                <a:lnTo>
+                  <a:pt x="95646" y="111054"/>
+                </a:lnTo>
+                <a:lnTo>
+                  <a:pt x="94084" y="111122"/>
+                </a:lnTo>
+                <a:lnTo>
+                  <a:pt x="91233" y="111190"/>
+                </a:lnTo>
+                <a:lnTo>
+                  <a:pt x="80847" y="111258"/>
+                </a:lnTo>
+                <a:lnTo>
+                  <a:pt x="62316" y="111258"/>
+                </a:lnTo>
+                <a:lnTo>
+                  <a:pt x="51930" y="111190"/>
+                </a:lnTo>
+                <a:lnTo>
+                  <a:pt x="49079" y="111122"/>
+                </a:lnTo>
+                <a:lnTo>
+                  <a:pt x="47518" y="111054"/>
+                </a:lnTo>
+                <a:close/>
+              </a:path>
+            </a:pathLst>
+          </a:custGeom>
+          <a:solidFill>
+            <a:schemeClr val="dk1"/>
+          </a:solidFill>
+          <a:ln>
+            <a:noFill/>
+          </a:ln>
+          <a:effectLst>
+            <a:outerShdw blurRad="171450" dist="38100" dir="5400000" algn="bl" rotWithShape="0">
+              <a:schemeClr val="dk1">
+                <a:alpha val="20000"/>
+              </a:schemeClr>
+            </a:outerShdw>
+          </a:effectLst>
+        </p:spPr>
+        <p:txBody>
+          <a:bodyPr spcFirstLastPara="1" wrap="square" lIns="91425" tIns="91425" rIns="91425" bIns="91425" anchor="ctr" anchorCtr="0">
+            <a:noAutofit/>
+          </a:bodyPr>
+          <a:lstStyle/>
+          <a:p>
+            <a:pPr marL="0" lvl="0" indent="0" algn="l" rtl="0">
+              <a:spcBef>
+                <a:spcPts val="0"/>
+              </a:spcBef>
+              <a:spcAft>
+                <a:spcPts val="0"/>
+              </a:spcAft>
+              <a:buNone/>
+            </a:pPr>
+            <a:endParaRPr/>
+          </a:p>
+        </p:txBody>
+      </p:sp>
+      <p:sp>
+        <p:nvSpPr>
+          <p:cNvPr id="548" name="Google Shape;548;p33"/>
+          <p:cNvSpPr/>
+          <p:nvPr/>
+        </p:nvSpPr>
+        <p:spPr>
+          <a:xfrm>
+            <a:off x="2546375" y="825013"/>
+            <a:ext cx="4518300" cy="2885100"/>
+          </a:xfrm>
+          <a:prstGeom prst="rect">
+            <a:avLst/>
+          </a:prstGeom>
+          <a:noFill/>
+          <a:ln>
+            <a:noFill/>
+          </a:ln>
+        </p:spPr>
+        <p:txBody>
+          <a:bodyPr spcFirstLastPara="1" wrap="square" lIns="91425" tIns="91425" rIns="91425" bIns="91425" anchor="ctr" anchorCtr="0">
+            <a:noAutofit/>
+          </a:bodyPr>
+          <a:lstStyle/>
+          <a:p>
+            <a:pPr marL="0" lvl="0" indent="0" algn="ctr" rtl="0">
+              <a:spcBef>
+                <a:spcPts val="0"/>
+              </a:spcBef>
+              <a:spcAft>
+                <a:spcPts val="0"/>
+              </a:spcAft>
+              <a:buNone/>
+            </a:pPr>
+            <a:r>
+              <a:rPr lang="en" sz="1000">
+                <a:solidFill>
+                  <a:schemeClr val="lt1"/>
+                </a:solidFill>
+                <a:latin typeface="Montserrat"/>
+                <a:ea typeface="Montserrat"/>
+                <a:cs typeface="Montserrat"/>
+                <a:sym typeface="Montserrat"/>
+              </a:rPr>
+              <a:t>Place your screenshot here</a:t>
+            </a:r>
+            <a:endParaRPr sz="1000">
+              <a:solidFill>
+                <a:schemeClr val="lt1"/>
+              </a:solidFill>
+              <a:latin typeface="Montserrat"/>
+              <a:ea typeface="Montserrat"/>
+              <a:cs typeface="Montserrat"/>
+              <a:sym typeface="Montserrat"/>
+            </a:endParaRPr>
+          </a:p>
+        </p:txBody>
+      </p:sp>
+      <p:sp>
+        <p:nvSpPr>
+          <p:cNvPr id="549" name="Google Shape;549;p33"/>
+          <p:cNvSpPr txBox="1">
+            <a:spLocks noGrp="1"/>
+          </p:cNvSpPr>
+          <p:nvPr>
+            <p:ph type="sldNum" idx="12"/>
+          </p:nvPr>
+        </p:nvSpPr>
+        <p:spPr>
+          <a:xfrm>
+            <a:off x="8729400" y="4734075"/>
+            <a:ext cx="414600" cy="409500"/>
+          </a:xfrm>
+          <a:prstGeom prst="rect">
+            <a:avLst/>
+          </a:prstGeom>
+        </p:spPr>
+        <p:txBody>
+          <a:bodyPr spcFirstLastPara="1" wrap="square" lIns="0" tIns="0" rIns="0" bIns="0" anchor="ctr" anchorCtr="0">
+            <a:noAutofit/>
+          </a:bodyPr>
+          <a:lstStyle/>
+          <a:p>
+            <a:pPr marL="0" lvl="0" indent="0" algn="ctr" rtl="0">
+              <a:spcBef>
+                <a:spcPts val="0"/>
+              </a:spcBef>
+              <a:spcAft>
+                <a:spcPts val="0"/>
+              </a:spcAft>
+              <a:buNone/>
+            </a:pPr>
+            <a:fld id="{00000000-1234-1234-1234-123412341234}" type="slidenum">
+              <a:rPr lang="en"/>
+              <a:t>14</a:t>
+            </a:fld>
+            <a:endParaRPr/>
+          </a:p>
+        </p:txBody>
+      </p:sp>
+      <p:sp>
+        <p:nvSpPr>
+          <p:cNvPr id="550" name="Google Shape;550;p33"/>
+          <p:cNvSpPr txBox="1">
+            <a:spLocks noGrp="1"/>
+          </p:cNvSpPr>
+          <p:nvPr>
+            <p:ph type="body" idx="4294967295"/>
+          </p:nvPr>
+        </p:nvSpPr>
+        <p:spPr>
+          <a:xfrm>
+            <a:off x="2433009" y="1735634"/>
+            <a:ext cx="4355112" cy="1609800"/>
+          </a:xfrm>
+          <a:prstGeom prst="rect">
+            <a:avLst/>
+          </a:prstGeom>
+        </p:spPr>
+        <p:txBody>
+          <a:bodyPr spcFirstLastPara="1" wrap="square" lIns="0" tIns="0" rIns="0" bIns="0" anchor="t" anchorCtr="0">
+            <a:noAutofit/>
+          </a:bodyPr>
+          <a:lstStyle/>
+          <a:p>
+            <a:pPr marL="0" lvl="0" indent="0" algn="ctr" rtl="0">
+              <a:spcBef>
+                <a:spcPts val="600"/>
+              </a:spcBef>
+              <a:spcAft>
+                <a:spcPts val="0"/>
+              </a:spcAft>
+              <a:buNone/>
+            </a:pPr>
+            <a:r>
+              <a:rPr lang="ko-KR" altLang="en-US" sz="4000" dirty="0" err="1" smtClean="0">
+                <a:latin typeface="나눔스퀘어라운드 Bold" pitchFamily="50" charset="-127"/>
+                <a:ea typeface="나눔스퀘어라운드 Bold" pitchFamily="50" charset="-127"/>
+              </a:rPr>
+              <a:t>질문있으신가요</a:t>
+            </a:r>
+            <a:r>
+              <a:rPr lang="en-US" altLang="ko-KR" sz="4000" dirty="0" smtClean="0">
+                <a:latin typeface="나눔스퀘어라운드 Bold" pitchFamily="50" charset="-127"/>
+                <a:ea typeface="나눔스퀘어라운드 Bold" pitchFamily="50" charset="-127"/>
+              </a:rPr>
+              <a:t>?</a:t>
+            </a:r>
+            <a:endParaRPr sz="4000" dirty="0">
+              <a:latin typeface="나눔스퀘어라운드 Bold" pitchFamily="50" charset="-127"/>
+              <a:ea typeface="나눔스퀘어라운드 Bold" pitchFamily="50" charset="-127"/>
+            </a:endParaRPr>
+          </a:p>
+        </p:txBody>
+      </p:sp>
+    </p:spTree>
+    <p:extLst>
+      <p:ext uri="{BB962C8B-B14F-4D97-AF65-F5344CB8AC3E}">
+        <p14:creationId xmlns:p14="http://schemas.microsoft.com/office/powerpoint/2010/main" val="960280793"/>
+      </p:ext>
+    </p:extLst>
+  </p:cSld>
+  <p:clrMapOvr>
+    <a:masterClrMapping/>
+  </p:clrMapOvr>
+</p:sld>
+</file>
+
+<file path=ppt/slides/slide15.xml><?xml version="1.0" encoding="utf-8"?>
 <p:sld xmlns:a="http://schemas.openxmlformats.org/drawingml/2006/main" xmlns:r="http://schemas.openxmlformats.org/officeDocument/2006/relationships" xmlns:p="http://schemas.openxmlformats.org/presentationml/2006/main">
   <p:cSld>
     <p:bg>
@@ -15172,6 +16047,13 @@
               </a:rPr>
               <a:t>감사합니다</a:t>
             </a:r>
+            <a:r>
+              <a:rPr lang="en-US" altLang="ko-KR" sz="6000" dirty="0" smtClean="0">
+                <a:latin typeface="나눔스퀘어라운드 Bold" pitchFamily="50" charset="-127"/>
+                <a:ea typeface="나눔스퀘어라운드 Bold" pitchFamily="50" charset="-127"/>
+              </a:rPr>
+              <a:t>!</a:t>
+            </a:r>
             <a:endParaRPr sz="6000" dirty="0">
               <a:latin typeface="나눔스퀘어라운드 Bold" pitchFamily="50" charset="-127"/>
               <a:ea typeface="나눔스퀘어라운드 Bold" pitchFamily="50" charset="-127"/>
@@ -15219,7 +16101,7 @@
                   <a:srgbClr val="FFFFFF"/>
                 </a:solidFill>
               </a:rPr>
-              <a:t>14</a:t>
+              <a:t>15</a:t>
             </a:fld>
             <a:endParaRPr>
               <a:solidFill>
@@ -15364,14 +16246,7 @@
                 <a:latin typeface="나눔스퀘어라운드 Regular" pitchFamily="50" charset="-127"/>
                 <a:ea typeface="나눔스퀘어라운드 Regular" pitchFamily="50" charset="-127"/>
               </a:rPr>
-              <a:t>비타민음료의 </a:t>
-            </a:r>
-            <a:r>
-              <a:rPr lang="ko-KR" altLang="en-US" sz="1800" dirty="0" smtClean="0">
-                <a:latin typeface="나눔스퀘어라운드 Regular" pitchFamily="50" charset="-127"/>
-                <a:ea typeface="나눔스퀘어라운드 Regular" pitchFamily="50" charset="-127"/>
-              </a:rPr>
-              <a:t>판매량에 </a:t>
+              <a:t>비타민음료의 판매량에 </a:t>
             </a:r>
             <a:r>
               <a:rPr lang="ko-KR" altLang="en-US" sz="1800" dirty="0">
@@ -15464,17 +16339,31 @@
           <a:prstGeom prst="rect">
             <a:avLst/>
           </a:prstGeom>
-          <a:solidFill>
-            <a:schemeClr val="accent3">
-              <a:lumMod val="75000"/>
-            </a:schemeClr>
-          </a:solidFill>
+          <a:gradFill flip="none" rotWithShape="1">
+            <a:gsLst>
+              <a:gs pos="0">
+                <a:schemeClr val="accent3">
+                  <a:lumMod val="75000"/>
+                </a:schemeClr>
+              </a:gs>
+              <a:gs pos="85000">
+                <a:schemeClr val="accent1">
+                  <a:tint val="44500"/>
+                  <a:satMod val="160000"/>
+                </a:schemeClr>
+              </a:gs>
+              <a:gs pos="100000">
+                <a:schemeClr val="accent1">
+                  <a:tint val="23500"/>
+                  <a:satMod val="160000"/>
+                </a:schemeClr>
+              </a:gs>
+            </a:gsLst>
+            <a:lin ang="0" scaled="1"/>
+            <a:tileRect/>
+          </a:gradFill>
           <a:ln>
-            <a:solidFill>
-              <a:schemeClr val="accent3">
-                <a:lumMod val="75000"/>
-              </a:schemeClr>
-            </a:solidFill>
+            <a:noFill/>
           </a:ln>
         </p:spPr>
         <p:style>
@@ -15532,17 +16421,31 @@
           <a:prstGeom prst="rect">
             <a:avLst/>
           </a:prstGeom>
-          <a:solidFill>
-            <a:schemeClr val="accent3">
-              <a:lumMod val="75000"/>
-            </a:schemeClr>
-          </a:solidFill>
+          <a:gradFill flip="none" rotWithShape="1">
+            <a:gsLst>
+              <a:gs pos="0">
+                <a:schemeClr val="accent3">
+                  <a:lumMod val="75000"/>
+                </a:schemeClr>
+              </a:gs>
+              <a:gs pos="85000">
+                <a:schemeClr val="accent1">
+                  <a:tint val="44500"/>
+                  <a:satMod val="160000"/>
+                </a:schemeClr>
+              </a:gs>
+              <a:gs pos="100000">
+                <a:schemeClr val="accent1">
+                  <a:tint val="23500"/>
+                  <a:satMod val="160000"/>
+                </a:schemeClr>
+              </a:gs>
+            </a:gsLst>
+            <a:lin ang="0" scaled="1"/>
+            <a:tileRect/>
+          </a:gradFill>
           <a:ln>
-            <a:solidFill>
-              <a:schemeClr val="accent3">
-                <a:lumMod val="75000"/>
-              </a:schemeClr>
-            </a:solidFill>
+            <a:noFill/>
           </a:ln>
         </p:spPr>
         <p:style>
@@ -15567,7 +16470,7 @@
           <a:p>
             <a:pPr algn="ctr"/>
             <a:r>
-              <a:rPr lang="ko-KR" altLang="en-US" dirty="0" smtClean="0">
+              <a:rPr lang="ko-KR" altLang="en-US" dirty="0">
                 <a:solidFill>
                   <a:schemeClr val="tx1"/>
                 </a:solidFill>
@@ -15664,17 +16567,31 @@
           <a:prstGeom prst="rect">
             <a:avLst/>
           </a:prstGeom>
-          <a:solidFill>
-            <a:schemeClr val="accent3">
-              <a:lumMod val="75000"/>
-            </a:schemeClr>
-          </a:solidFill>
+          <a:gradFill flip="none" rotWithShape="1">
+            <a:gsLst>
+              <a:gs pos="0">
+                <a:schemeClr val="accent3">
+                  <a:lumMod val="75000"/>
+                </a:schemeClr>
+              </a:gs>
+              <a:gs pos="85000">
+                <a:schemeClr val="accent1">
+                  <a:tint val="44500"/>
+                  <a:satMod val="160000"/>
+                </a:schemeClr>
+              </a:gs>
+              <a:gs pos="100000">
+                <a:schemeClr val="accent1">
+                  <a:tint val="23500"/>
+                  <a:satMod val="160000"/>
+                </a:schemeClr>
+              </a:gs>
+            </a:gsLst>
+            <a:lin ang="0" scaled="1"/>
+            <a:tileRect/>
+          </a:gradFill>
           <a:ln>
-            <a:solidFill>
-              <a:schemeClr val="accent3">
-                <a:lumMod val="75000"/>
-              </a:schemeClr>
-            </a:solidFill>
+            <a:noFill/>
           </a:ln>
         </p:spPr>
         <p:style>
@@ -15699,7 +16616,7 @@
           <a:p>
             <a:pPr algn="ctr"/>
             <a:r>
-              <a:rPr lang="ko-KR" altLang="en-US" dirty="0" smtClean="0">
+              <a:rPr lang="ko-KR" altLang="en-US" dirty="0">
                 <a:solidFill>
                   <a:schemeClr val="tx1"/>
                 </a:solidFill>
@@ -15728,7 +16645,7 @@
           <p:nvPr>
             <p:extLst>
               <p:ext uri="{D42A27DB-BD31-4B8C-83A1-F6EECF244321}">
-                <p14:modId xmlns:p14="http://schemas.microsoft.com/office/powerpoint/2010/main" val="4098012546"/>
+                <p14:modId xmlns:p14="http://schemas.microsoft.com/office/powerpoint/2010/main" val="3634823641"/>
               </p:ext>
             </p:extLst>
           </p:nvPr>
@@ -16156,7 +17073,7 @@
                 <a:latin typeface="나눔스퀘어라운드 Regular" pitchFamily="50" charset="-127"/>
                 <a:ea typeface="나눔스퀘어라운드 Regular" pitchFamily="50" charset="-127"/>
               </a:rPr>
-              <a:t>‘	</a:t>
+              <a:t>	</a:t>
             </a:r>
             <a:r>
               <a:rPr lang="ko-KR" altLang="en-US" sz="1800" dirty="0" smtClean="0">
@@ -16200,17 +17117,31 @@
           <a:prstGeom prst="rect">
             <a:avLst/>
           </a:prstGeom>
-          <a:solidFill>
-            <a:schemeClr val="accent3">
-              <a:lumMod val="75000"/>
-            </a:schemeClr>
-          </a:solidFill>
+          <a:gradFill flip="none" rotWithShape="1">
+            <a:gsLst>
+              <a:gs pos="0">
+                <a:schemeClr val="accent3">
+                  <a:lumMod val="75000"/>
+                </a:schemeClr>
+              </a:gs>
+              <a:gs pos="85000">
+                <a:schemeClr val="accent1">
+                  <a:tint val="44500"/>
+                  <a:satMod val="160000"/>
+                </a:schemeClr>
+              </a:gs>
+              <a:gs pos="100000">
+                <a:schemeClr val="accent1">
+                  <a:tint val="23500"/>
+                  <a:satMod val="160000"/>
+                </a:schemeClr>
+              </a:gs>
+            </a:gsLst>
+            <a:lin ang="0" scaled="1"/>
+            <a:tileRect/>
+          </a:gradFill>
           <a:ln>
-            <a:solidFill>
-              <a:schemeClr val="accent3">
-                <a:lumMod val="75000"/>
-              </a:schemeClr>
-            </a:solidFill>
+            <a:noFill/>
           </a:ln>
         </p:spPr>
         <p:style>
@@ -16235,7 +17166,7 @@
           <a:p>
             <a:pPr algn="ctr"/>
             <a:r>
-              <a:rPr lang="en-US" altLang="ko-KR" dirty="0" smtClean="0">
+              <a:rPr lang="en-US" altLang="ko-KR" dirty="0">
                 <a:solidFill>
                   <a:schemeClr val="tx1"/>
                 </a:solidFill>
@@ -16245,7 +17176,7 @@
               <a:t>1</a:t>
             </a:r>
             <a:r>
-              <a:rPr lang="ko-KR" altLang="en-US" dirty="0" smtClean="0">
+              <a:rPr lang="ko-KR" altLang="en-US" dirty="0">
                 <a:solidFill>
                   <a:schemeClr val="tx1"/>
                 </a:solidFill>
@@ -16721,17 +17652,31 @@
           <a:prstGeom prst="rect">
             <a:avLst/>
           </a:prstGeom>
-          <a:solidFill>
-            <a:schemeClr val="accent3">
-              <a:lumMod val="75000"/>
-            </a:schemeClr>
-          </a:solidFill>
+          <a:gradFill flip="none" rotWithShape="1">
+            <a:gsLst>
+              <a:gs pos="0">
+                <a:schemeClr val="accent3">
+                  <a:lumMod val="75000"/>
+                </a:schemeClr>
+              </a:gs>
+              <a:gs pos="85000">
+                <a:schemeClr val="accent1">
+                  <a:tint val="44500"/>
+                  <a:satMod val="160000"/>
+                </a:schemeClr>
+              </a:gs>
+              <a:gs pos="100000">
+                <a:schemeClr val="accent1">
+                  <a:tint val="23500"/>
+                  <a:satMod val="160000"/>
+                </a:schemeClr>
+              </a:gs>
+            </a:gsLst>
+            <a:lin ang="0" scaled="1"/>
+            <a:tileRect/>
+          </a:gradFill>
           <a:ln>
-            <a:solidFill>
-              <a:schemeClr val="accent3">
-                <a:lumMod val="75000"/>
-              </a:schemeClr>
-            </a:solidFill>
+            <a:noFill/>
           </a:ln>
         </p:spPr>
         <p:style>
@@ -16756,7 +17701,7 @@
           <a:p>
             <a:pPr algn="ctr"/>
             <a:r>
-              <a:rPr lang="en-US" altLang="ko-KR" dirty="0" smtClean="0">
+              <a:rPr lang="en-US" altLang="ko-KR" dirty="0">
                 <a:solidFill>
                   <a:schemeClr val="tx1"/>
                 </a:solidFill>
@@ -16766,7 +17711,7 @@
               <a:t>2</a:t>
             </a:r>
             <a:r>
-              <a:rPr lang="ko-KR" altLang="en-US" dirty="0" smtClean="0">
+              <a:rPr lang="ko-KR" altLang="en-US" dirty="0">
                 <a:solidFill>
                   <a:schemeClr val="tx1"/>
                 </a:solidFill>
@@ -17233,17 +18178,31 @@
           <a:prstGeom prst="rect">
             <a:avLst/>
           </a:prstGeom>
-          <a:solidFill>
-            <a:schemeClr val="accent3">
-              <a:lumMod val="75000"/>
-            </a:schemeClr>
-          </a:solidFill>
+          <a:gradFill flip="none" rotWithShape="1">
+            <a:gsLst>
+              <a:gs pos="0">
+                <a:schemeClr val="accent3">
+                  <a:lumMod val="75000"/>
+                </a:schemeClr>
+              </a:gs>
+              <a:gs pos="85000">
+                <a:schemeClr val="accent1">
+                  <a:tint val="44500"/>
+                  <a:satMod val="160000"/>
+                </a:schemeClr>
+              </a:gs>
+              <a:gs pos="100000">
+                <a:schemeClr val="accent1">
+                  <a:tint val="23500"/>
+                  <a:satMod val="160000"/>
+                </a:schemeClr>
+              </a:gs>
+            </a:gsLst>
+            <a:lin ang="0" scaled="1"/>
+            <a:tileRect/>
+          </a:gradFill>
           <a:ln>
-            <a:solidFill>
-              <a:schemeClr val="accent3">
-                <a:lumMod val="75000"/>
-              </a:schemeClr>
-            </a:solidFill>
+            <a:noFill/>
           </a:ln>
         </p:spPr>
         <p:style>
@@ -17278,7 +18237,7 @@
               <a:t>3</a:t>
             </a:r>
             <a:r>
-              <a:rPr lang="ko-KR" altLang="en-US" dirty="0" smtClean="0">
+              <a:rPr lang="ko-KR" altLang="en-US" dirty="0">
                 <a:solidFill>
                   <a:schemeClr val="tx1"/>
                 </a:solidFill>
@@ -17904,17 +18863,31 @@
           <a:prstGeom prst="rect">
             <a:avLst/>
           </a:prstGeom>
-          <a:solidFill>
-            <a:schemeClr val="accent3">
-              <a:lumMod val="75000"/>
-            </a:schemeClr>
-          </a:solidFill>
+          <a:gradFill flip="none" rotWithShape="1">
+            <a:gsLst>
+              <a:gs pos="0">
+                <a:schemeClr val="accent3">
+                  <a:lumMod val="75000"/>
+                </a:schemeClr>
+              </a:gs>
+              <a:gs pos="85000">
+                <a:schemeClr val="accent1">
+                  <a:tint val="44500"/>
+                  <a:satMod val="160000"/>
+                </a:schemeClr>
+              </a:gs>
+              <a:gs pos="100000">
+                <a:schemeClr val="accent1">
+                  <a:tint val="23500"/>
+                  <a:satMod val="160000"/>
+                </a:schemeClr>
+              </a:gs>
+            </a:gsLst>
+            <a:lin ang="0" scaled="1"/>
+            <a:tileRect/>
+          </a:gradFill>
           <a:ln>
-            <a:solidFill>
-              <a:schemeClr val="accent3">
-                <a:lumMod val="75000"/>
-              </a:schemeClr>
-            </a:solidFill>
+            <a:noFill/>
           </a:ln>
         </p:spPr>
         <p:style>
@@ -17939,7 +18912,7 @@
           <a:p>
             <a:pPr algn="ctr"/>
             <a:r>
-              <a:rPr lang="en-US" altLang="ko-KR" dirty="0" smtClean="0">
+              <a:rPr lang="en-US" altLang="ko-KR" dirty="0">
                 <a:solidFill>
                   <a:schemeClr val="tx1"/>
                 </a:solidFill>
@@ -17949,7 +18922,7 @@
               <a:t>4</a:t>
             </a:r>
             <a:r>
-              <a:rPr lang="ko-KR" altLang="en-US" dirty="0" smtClean="0">
+              <a:rPr lang="ko-KR" altLang="en-US" dirty="0">
                 <a:solidFill>
                   <a:schemeClr val="tx1"/>
                 </a:solidFill>
@@ -18430,17 +19403,31 @@
           <a:prstGeom prst="rect">
             <a:avLst/>
           </a:prstGeom>
-          <a:solidFill>
-            <a:schemeClr val="accent3">
-              <a:lumMod val="75000"/>
-            </a:schemeClr>
-          </a:solidFill>
+          <a:gradFill flip="none" rotWithShape="1">
+            <a:gsLst>
+              <a:gs pos="0">
+                <a:schemeClr val="accent3">
+                  <a:lumMod val="75000"/>
+                </a:schemeClr>
+              </a:gs>
+              <a:gs pos="85000">
+                <a:schemeClr val="accent1">
+                  <a:tint val="44500"/>
+                  <a:satMod val="160000"/>
+                </a:schemeClr>
+              </a:gs>
+              <a:gs pos="100000">
+                <a:schemeClr val="accent1">
+                  <a:tint val="23500"/>
+                  <a:satMod val="160000"/>
+                </a:schemeClr>
+              </a:gs>
+            </a:gsLst>
+            <a:lin ang="0" scaled="1"/>
+            <a:tileRect/>
+          </a:gradFill>
           <a:ln>
-            <a:solidFill>
-              <a:schemeClr val="accent3">
-                <a:lumMod val="75000"/>
-              </a:schemeClr>
-            </a:solidFill>
+            <a:noFill/>
           </a:ln>
         </p:spPr>
         <p:style>
@@ -18475,7 +19462,7 @@
               <a:t>5</a:t>
             </a:r>
             <a:r>
-              <a:rPr lang="ko-KR" altLang="en-US" dirty="0" smtClean="0">
+              <a:rPr lang="ko-KR" altLang="en-US" dirty="0">
                 <a:solidFill>
                   <a:schemeClr val="tx1"/>
                 </a:solidFill>
@@ -18956,17 +19943,31 @@
           <a:prstGeom prst="rect">
             <a:avLst/>
           </a:prstGeom>
-          <a:solidFill>
-            <a:schemeClr val="accent3">
-              <a:lumMod val="75000"/>
-            </a:schemeClr>
-          </a:solidFill>
+          <a:gradFill flip="none" rotWithShape="1">
+            <a:gsLst>
+              <a:gs pos="0">
+                <a:schemeClr val="accent3">
+                  <a:lumMod val="75000"/>
+                </a:schemeClr>
+              </a:gs>
+              <a:gs pos="85000">
+                <a:schemeClr val="accent1">
+                  <a:tint val="44500"/>
+                  <a:satMod val="160000"/>
+                </a:schemeClr>
+              </a:gs>
+              <a:gs pos="100000">
+                <a:schemeClr val="accent1">
+                  <a:tint val="23500"/>
+                  <a:satMod val="160000"/>
+                </a:schemeClr>
+              </a:gs>
+            </a:gsLst>
+            <a:lin ang="0" scaled="1"/>
+            <a:tileRect/>
+          </a:gradFill>
           <a:ln>
-            <a:solidFill>
-              <a:schemeClr val="accent3">
-                <a:lumMod val="75000"/>
-              </a:schemeClr>
-            </a:solidFill>
+            <a:noFill/>
           </a:ln>
         </p:spPr>
         <p:style>
@@ -18991,7 +19992,7 @@
           <a:p>
             <a:pPr algn="ctr"/>
             <a:r>
-              <a:rPr lang="en-US" altLang="ko-KR" dirty="0" smtClean="0">
+              <a:rPr lang="en-US" altLang="ko-KR" dirty="0">
                 <a:solidFill>
                   <a:schemeClr val="tx1"/>
                 </a:solidFill>
@@ -19001,7 +20002,7 @@
               <a:t>6</a:t>
             </a:r>
             <a:r>
-              <a:rPr lang="ko-KR" altLang="en-US" dirty="0" smtClean="0">
+              <a:rPr lang="ko-KR" altLang="en-US" dirty="0">
                 <a:solidFill>
                   <a:schemeClr val="tx1"/>
                 </a:solidFill>
